--- a/docs/materials/day4/files/osgus19-day4-part3-output-shared-fs.pptx
+++ b/docs/materials/day4/files/osgus19-day4-part3-output-shared-fs.pptx
@@ -18939,69 +18939,6 @@
           </a:p>
         </p:txBody>
       </p:sp>
-      <p:sp>
-        <p:nvSpPr>
-          <p:cNvPr id="302" name="Google Shape;302;p18"/>
-          <p:cNvSpPr txBox="1"/>
-          <p:nvPr/>
-        </p:nvSpPr>
-        <p:spPr>
-          <a:xfrm>
-            <a:off x="152400" y="1016000"/>
-            <a:ext cx="2596008" cy="369332"/>
-          </a:xfrm>
-          <a:prstGeom prst="rect">
-            <a:avLst/>
-          </a:prstGeom>
-          <a:noFill/>
-          <a:ln>
-            <a:noFill/>
-          </a:ln>
-        </p:spPr>
-        <p:txBody>
-          <a:bodyPr spcFirstLastPara="1" wrap="square" lIns="91425" tIns="45700" rIns="91425" bIns="45700" anchor="t" anchorCtr="0">
-            <a:spAutoFit/>
-          </a:bodyPr>
-          <a:lstStyle/>
-          <a:p>
-            <a:pPr marL="0" marR="0" lvl="0" indent="0" algn="l" rtl="0">
-              <a:spcBef>
-                <a:spcPts val="0"/>
-              </a:spcBef>
-              <a:spcAft>
-                <a:spcPts val="0"/>
-              </a:spcAft>
-              <a:buClr>
-                <a:schemeClr val="dk1"/>
-              </a:buClr>
-              <a:buSzPts val="1800"/>
-              <a:buFont typeface="Consolas"/>
-              <a:buNone/>
-            </a:pPr>
-            <a:r>
-              <a:rPr lang="en-US" sz="1800" b="0" i="0" u="none" strike="noStrike" cap="none">
-                <a:solidFill>
-                  <a:schemeClr val="dk1"/>
-                </a:solidFill>
-                <a:latin typeface="Consolas"/>
-                <a:ea typeface="Consolas"/>
-                <a:cs typeface="Consolas"/>
-                <a:sym typeface="Consolas"/>
-              </a:rPr>
-              <a:t>learn.chtc.wisc.edu</a:t>
-            </a:r>
-            <a:endParaRPr sz="1800" b="0" i="0" u="none" strike="noStrike" cap="none">
-              <a:solidFill>
-                <a:schemeClr val="dk1"/>
-              </a:solidFill>
-              <a:latin typeface="Consolas"/>
-              <a:ea typeface="Consolas"/>
-              <a:cs typeface="Consolas"/>
-              <a:sym typeface="Consolas"/>
-            </a:endParaRPr>
-          </a:p>
-        </p:txBody>
-      </p:sp>
     </p:spTree>
   </p:cSld>
   <p:clrMapOvr>
@@ -20093,69 +20030,6 @@
               <a:ea typeface="Arial"/>
               <a:cs typeface="Arial"/>
               <a:sym typeface="Arial"/>
-            </a:endParaRPr>
-          </a:p>
-        </p:txBody>
-      </p:sp>
-      <p:sp>
-        <p:nvSpPr>
-          <p:cNvPr id="323" name="Google Shape;323;p19"/>
-          <p:cNvSpPr txBox="1"/>
-          <p:nvPr/>
-        </p:nvSpPr>
-        <p:spPr>
-          <a:xfrm>
-            <a:off x="152400" y="1016000"/>
-            <a:ext cx="2596008" cy="369332"/>
-          </a:xfrm>
-          <a:prstGeom prst="rect">
-            <a:avLst/>
-          </a:prstGeom>
-          <a:noFill/>
-          <a:ln>
-            <a:noFill/>
-          </a:ln>
-        </p:spPr>
-        <p:txBody>
-          <a:bodyPr spcFirstLastPara="1" wrap="square" lIns="91425" tIns="45700" rIns="91425" bIns="45700" anchor="t" anchorCtr="0">
-            <a:spAutoFit/>
-          </a:bodyPr>
-          <a:lstStyle/>
-          <a:p>
-            <a:pPr marL="0" marR="0" lvl="0" indent="0" algn="l" rtl="0">
-              <a:spcBef>
-                <a:spcPts val="0"/>
-              </a:spcBef>
-              <a:spcAft>
-                <a:spcPts val="0"/>
-              </a:spcAft>
-              <a:buClr>
-                <a:schemeClr val="dk1"/>
-              </a:buClr>
-              <a:buSzPts val="1800"/>
-              <a:buFont typeface="Consolas"/>
-              <a:buNone/>
-            </a:pPr>
-            <a:r>
-              <a:rPr lang="en-US" sz="1800" b="0" i="0" u="none" strike="noStrike" cap="none">
-                <a:solidFill>
-                  <a:schemeClr val="dk1"/>
-                </a:solidFill>
-                <a:latin typeface="Consolas"/>
-                <a:ea typeface="Consolas"/>
-                <a:cs typeface="Consolas"/>
-                <a:sym typeface="Consolas"/>
-              </a:rPr>
-              <a:t>learn.chtc.wisc.edu</a:t>
-            </a:r>
-            <a:endParaRPr sz="1800" b="0" i="0" u="none" strike="noStrike" cap="none">
-              <a:solidFill>
-                <a:schemeClr val="dk1"/>
-              </a:solidFill>
-              <a:latin typeface="Consolas"/>
-              <a:ea typeface="Consolas"/>
-              <a:cs typeface="Consolas"/>
-              <a:sym typeface="Consolas"/>
             </a:endParaRPr>
           </a:p>
         </p:txBody>
@@ -21108,69 +20982,6 @@
           </a:p>
         </p:txBody>
       </p:sp>
-      <p:sp>
-        <p:nvSpPr>
-          <p:cNvPr id="343" name="Google Shape;343;p20"/>
-          <p:cNvSpPr txBox="1"/>
-          <p:nvPr/>
-        </p:nvSpPr>
-        <p:spPr>
-          <a:xfrm>
-            <a:off x="152400" y="1016000"/>
-            <a:ext cx="2596008" cy="369332"/>
-          </a:xfrm>
-          <a:prstGeom prst="rect">
-            <a:avLst/>
-          </a:prstGeom>
-          <a:noFill/>
-          <a:ln>
-            <a:noFill/>
-          </a:ln>
-        </p:spPr>
-        <p:txBody>
-          <a:bodyPr spcFirstLastPara="1" wrap="square" lIns="91425" tIns="45700" rIns="91425" bIns="45700" anchor="t" anchorCtr="0">
-            <a:spAutoFit/>
-          </a:bodyPr>
-          <a:lstStyle/>
-          <a:p>
-            <a:pPr marL="0" marR="0" lvl="0" indent="0" algn="l" rtl="0">
-              <a:spcBef>
-                <a:spcPts val="0"/>
-              </a:spcBef>
-              <a:spcAft>
-                <a:spcPts val="0"/>
-              </a:spcAft>
-              <a:buClr>
-                <a:schemeClr val="dk1"/>
-              </a:buClr>
-              <a:buSzPts val="1800"/>
-              <a:buFont typeface="Consolas"/>
-              <a:buNone/>
-            </a:pPr>
-            <a:r>
-              <a:rPr lang="en-US" sz="1800" b="0" i="0" u="none" strike="noStrike" cap="none">
-                <a:solidFill>
-                  <a:schemeClr val="dk1"/>
-                </a:solidFill>
-                <a:latin typeface="Consolas"/>
-                <a:ea typeface="Consolas"/>
-                <a:cs typeface="Consolas"/>
-                <a:sym typeface="Consolas"/>
-              </a:rPr>
-              <a:t>learn.chtc.wisc.edu</a:t>
-            </a:r>
-            <a:endParaRPr sz="1800" b="0" i="0" u="none" strike="noStrike" cap="none">
-              <a:solidFill>
-                <a:schemeClr val="dk1"/>
-              </a:solidFill>
-              <a:latin typeface="Consolas"/>
-              <a:ea typeface="Consolas"/>
-              <a:cs typeface="Consolas"/>
-              <a:sym typeface="Consolas"/>
-            </a:endParaRPr>
-          </a:p>
-        </p:txBody>
-      </p:sp>
     </p:spTree>
   </p:cSld>
   <p:clrMapOvr>
@@ -22229,69 +22040,6 @@
               <a:t>2. Executable copies the file</a:t>
             </a:r>
             <a:endParaRPr dirty="0"/>
-          </a:p>
-        </p:txBody>
-      </p:sp>
-      <p:sp>
-        <p:nvSpPr>
-          <p:cNvPr id="364" name="Google Shape;364;p21"/>
-          <p:cNvSpPr txBox="1"/>
-          <p:nvPr/>
-        </p:nvSpPr>
-        <p:spPr>
-          <a:xfrm>
-            <a:off x="152400" y="1016000"/>
-            <a:ext cx="2596008" cy="369332"/>
-          </a:xfrm>
-          <a:prstGeom prst="rect">
-            <a:avLst/>
-          </a:prstGeom>
-          <a:noFill/>
-          <a:ln>
-            <a:noFill/>
-          </a:ln>
-        </p:spPr>
-        <p:txBody>
-          <a:bodyPr spcFirstLastPara="1" wrap="square" lIns="91425" tIns="45700" rIns="91425" bIns="45700" anchor="t" anchorCtr="0">
-            <a:spAutoFit/>
-          </a:bodyPr>
-          <a:lstStyle/>
-          <a:p>
-            <a:pPr marL="0" marR="0" lvl="0" indent="0" algn="l" rtl="0">
-              <a:spcBef>
-                <a:spcPts val="0"/>
-              </a:spcBef>
-              <a:spcAft>
-                <a:spcPts val="0"/>
-              </a:spcAft>
-              <a:buClr>
-                <a:schemeClr val="dk1"/>
-              </a:buClr>
-              <a:buSzPts val="1800"/>
-              <a:buFont typeface="Consolas"/>
-              <a:buNone/>
-            </a:pPr>
-            <a:r>
-              <a:rPr lang="en-US" sz="1800" b="0" i="0" u="none" strike="noStrike" cap="none">
-                <a:solidFill>
-                  <a:schemeClr val="dk1"/>
-                </a:solidFill>
-                <a:latin typeface="Consolas"/>
-                <a:ea typeface="Consolas"/>
-                <a:cs typeface="Consolas"/>
-                <a:sym typeface="Consolas"/>
-              </a:rPr>
-              <a:t>learn.chtc.wisc.edu</a:t>
-            </a:r>
-            <a:endParaRPr sz="1800" b="0" i="0" u="none" strike="noStrike" cap="none">
-              <a:solidFill>
-                <a:schemeClr val="dk1"/>
-              </a:solidFill>
-              <a:latin typeface="Consolas"/>
-              <a:ea typeface="Consolas"/>
-              <a:cs typeface="Consolas"/>
-              <a:sym typeface="Consolas"/>
-            </a:endParaRPr>
           </a:p>
         </p:txBody>
       </p:sp>
@@ -23553,69 +23301,6 @@
           </a:p>
         </p:txBody>
       </p:sp>
-      <p:sp>
-        <p:nvSpPr>
-          <p:cNvPr id="385" name="Google Shape;385;p22"/>
-          <p:cNvSpPr txBox="1"/>
-          <p:nvPr/>
-        </p:nvSpPr>
-        <p:spPr>
-          <a:xfrm>
-            <a:off x="152400" y="1016000"/>
-            <a:ext cx="2596008" cy="369332"/>
-          </a:xfrm>
-          <a:prstGeom prst="rect">
-            <a:avLst/>
-          </a:prstGeom>
-          <a:noFill/>
-          <a:ln>
-            <a:noFill/>
-          </a:ln>
-        </p:spPr>
-        <p:txBody>
-          <a:bodyPr spcFirstLastPara="1" wrap="square" lIns="91425" tIns="45700" rIns="91425" bIns="45700" anchor="t" anchorCtr="0">
-            <a:spAutoFit/>
-          </a:bodyPr>
-          <a:lstStyle/>
-          <a:p>
-            <a:pPr marL="0" marR="0" lvl="0" indent="0" algn="l" rtl="0">
-              <a:spcBef>
-                <a:spcPts val="0"/>
-              </a:spcBef>
-              <a:spcAft>
-                <a:spcPts val="0"/>
-              </a:spcAft>
-              <a:buClr>
-                <a:schemeClr val="dk1"/>
-              </a:buClr>
-              <a:buSzPts val="1800"/>
-              <a:buFont typeface="Consolas"/>
-              <a:buNone/>
-            </a:pPr>
-            <a:r>
-              <a:rPr lang="en-US" sz="1800" b="0" i="0" u="none" strike="noStrike" cap="none">
-                <a:solidFill>
-                  <a:schemeClr val="dk1"/>
-                </a:solidFill>
-                <a:latin typeface="Consolas"/>
-                <a:ea typeface="Consolas"/>
-                <a:cs typeface="Consolas"/>
-                <a:sym typeface="Consolas"/>
-              </a:rPr>
-              <a:t>learn.chtc.wisc.edu</a:t>
-            </a:r>
-            <a:endParaRPr sz="1800" b="0" i="0" u="none" strike="noStrike" cap="none">
-              <a:solidFill>
-                <a:schemeClr val="dk1"/>
-              </a:solidFill>
-              <a:latin typeface="Consolas"/>
-              <a:ea typeface="Consolas"/>
-              <a:cs typeface="Consolas"/>
-              <a:sym typeface="Consolas"/>
-            </a:endParaRPr>
-          </a:p>
-        </p:txBody>
-      </p:sp>
     </p:spTree>
   </p:cSld>
   <p:clrMapOvr>
@@ -23743,15 +23428,15 @@
               <a:buNone/>
             </a:pPr>
             <a:r>
-              <a:rPr lang="en-US">
+              <a:rPr lang="en-US" dirty="0">
                 <a:latin typeface="Helvetica Neue"/>
                 <a:ea typeface="Helvetica Neue"/>
                 <a:cs typeface="Helvetica Neue"/>
                 <a:sym typeface="Helvetica Neue"/>
               </a:rPr>
-              <a:t>At UW-Madison (Ex. 4.1-4.2)</a:t>
+              <a:t>At UW-Madison (Ex. 3.1-3.2)</a:t>
             </a:r>
-            <a:endParaRPr/>
+            <a:endParaRPr dirty="0"/>
           </a:p>
         </p:txBody>
       </p:sp>
@@ -24851,7 +24536,7 @@
               <a:buNone/>
             </a:pPr>
             <a:r>
-              <a:rPr lang="en-US" sz="1800" b="0" i="0" u="none" strike="noStrike" cap="none">
+              <a:rPr lang="en-US" sz="1800" b="0" i="0" u="none" strike="noStrike" cap="none" dirty="0" err="1">
                 <a:solidFill>
                   <a:schemeClr val="dk1"/>
                 </a:solidFill>
@@ -24862,7 +24547,7 @@
               </a:rPr>
               <a:t>learn.chtc.wisc.edu</a:t>
             </a:r>
-            <a:endParaRPr sz="1800" b="0" i="0" u="none" strike="noStrike" cap="none">
+            <a:endParaRPr sz="1800" b="0" i="0" u="none" strike="noStrike" cap="none" dirty="0">
               <a:solidFill>
                 <a:schemeClr val="dk1"/>
               </a:solidFill>
@@ -25419,7 +25104,13 @@
         <p:nvGraphicFramePr>
           <p:cNvPr id="421" name="Google Shape;421;p25"/>
           <p:cNvGraphicFramePr/>
-          <p:nvPr/>
+          <p:nvPr>
+            <p:extLst>
+              <p:ext uri="{D42A27DB-BD31-4B8C-83A1-F6EECF244321}">
+                <p14:modId xmlns:p14="http://schemas.microsoft.com/office/powerpoint/2010/main" val="401992385"/>
+              </p:ext>
+            </p:extLst>
+          </p:nvPr>
         </p:nvGraphicFramePr>
         <p:xfrm>
           <a:off x="495300" y="2266950"/>
@@ -25676,10 +25367,18 @@
                         <a:buNone/>
                       </a:pPr>
                       <a:r>
+                        <a:rPr lang="en-US" sz="1800" dirty="0"/>
+                        <a:t>1GB </a:t>
+                      </a:r>
+                      <a:r>
                         <a:rPr lang="en-US" sz="1800"/>
-                        <a:t>1GB - 10GB, unique or shared</a:t>
+                        <a:t>- 20GB</a:t>
                       </a:r>
-                      <a:endParaRPr/>
+                      <a:r>
+                        <a:rPr lang="en-US" sz="1800" dirty="0"/>
+                        <a:t>, unique or shared file</a:t>
+                      </a:r>
+                      <a:endParaRPr dirty="0"/>
                     </a:p>
                   </a:txBody>
                   <a:tcPr marL="91450" marR="91450" marT="45725" marB="45725"/>
@@ -25729,10 +25428,10 @@
                         <a:buNone/>
                       </a:pPr>
                       <a:r>
-                        <a:rPr lang="en-US" sz="1800" b="1"/>
-                        <a:t>10 GB – TBs, unique or shared</a:t>
+                        <a:rPr lang="en-US" sz="1800" b="1" dirty="0"/>
+                        <a:t>20 GB – TBs, unique or shared</a:t>
                       </a:r>
-                      <a:endParaRPr/>
+                      <a:endParaRPr dirty="0"/>
                     </a:p>
                   </a:txBody>
                   <a:tcPr marL="91450" marR="91450" marT="45725" marB="45725"/>
@@ -25752,10 +25451,10 @@
                         <a:buNone/>
                       </a:pPr>
                       <a:r>
-                        <a:rPr lang="en-US" sz="1800" b="1"/>
+                        <a:rPr lang="en-US" sz="1800" b="1" dirty="0"/>
                         <a:t>shared file system (local copy, local execute servers)</a:t>
                       </a:r>
-                      <a:endParaRPr sz="1800" b="1"/>
+                      <a:endParaRPr sz="1800" b="1" dirty="0"/>
                     </a:p>
                   </a:txBody>
                   <a:tcPr marL="91450" marR="91450" marT="45725" marB="45725"/>
@@ -26743,7 +26442,13 @@
         <p:nvGraphicFramePr>
           <p:cNvPr id="440" name="Google Shape;440;p27"/>
           <p:cNvGraphicFramePr/>
-          <p:nvPr/>
+          <p:nvPr>
+            <p:extLst>
+              <p:ext uri="{D42A27DB-BD31-4B8C-83A1-F6EECF244321}">
+                <p14:modId xmlns:p14="http://schemas.microsoft.com/office/powerpoint/2010/main" val="1194240293"/>
+              </p:ext>
+            </p:extLst>
+          </p:nvPr>
         </p:nvGraphicFramePr>
         <p:xfrm>
           <a:off x="393700" y="908050"/>
@@ -27007,10 +26712,10 @@
                         <a:buNone/>
                       </a:pPr>
                       <a:r>
-                        <a:rPr lang="en-US" sz="1400"/>
-                        <a:t>10 MB/file (in), 1 GB/file (out); 1 GB/tot (either)</a:t>
+                        <a:rPr lang="en-US" sz="1400" dirty="0"/>
+                        <a:t>100 MB/file (in), 1 GB/file (out); 1 GB/tot (either)</a:t>
                       </a:r>
-                      <a:endParaRPr sz="1400"/>
+                      <a:endParaRPr sz="1400" dirty="0"/>
                     </a:p>
                   </a:txBody>
                   <a:tcPr marL="91450" marR="91450" marT="45725" marB="45725"/>
@@ -27297,10 +27002,10 @@
                         <a:buNone/>
                       </a:pPr>
                       <a:r>
-                        <a:rPr lang="en-US" sz="1400"/>
-                        <a:t>10 GB/file</a:t>
+                        <a:rPr lang="en-US" sz="1400" dirty="0"/>
+                        <a:t>20 GB/file</a:t>
                       </a:r>
-                      <a:endParaRPr/>
+                      <a:endParaRPr dirty="0"/>
                     </a:p>
                     <a:p>
                       <a:pPr marL="0" marR="0" lvl="0" indent="0" algn="l" rtl="0">
@@ -27313,10 +27018,10 @@
                         <a:buNone/>
                       </a:pPr>
                       <a:r>
-                        <a:rPr lang="en-US" sz="1400"/>
+                        <a:rPr lang="en-US" sz="1400" dirty="0"/>
                         <a:t>(will increase!)</a:t>
                       </a:r>
-                      <a:endParaRPr/>
+                      <a:endParaRPr dirty="0"/>
                     </a:p>
                   </a:txBody>
                   <a:tcPr marL="91450" marR="91450" marT="45725" marB="45725"/>
@@ -27487,10 +27192,10 @@
                         <a:buNone/>
                       </a:pPr>
                       <a:r>
-                        <a:rPr lang="en-US" sz="1400"/>
+                        <a:rPr lang="en-US" sz="1400" dirty="0"/>
                         <a:t>TBs (may vary)</a:t>
                       </a:r>
-                      <a:endParaRPr/>
+                      <a:endParaRPr dirty="0"/>
                     </a:p>
                   </a:txBody>
                   <a:tcPr marL="91450" marR="91450" marT="45725" marB="45725"/>
@@ -27556,10 +27261,10 @@
                         <a:buNone/>
                       </a:pPr>
                       <a:r>
-                        <a:rPr lang="en-US" sz="1400"/>
+                        <a:rPr lang="en-US" sz="1400" dirty="0"/>
                         <a:t>local cluster, only by YOU (usually)</a:t>
                       </a:r>
-                      <a:endParaRPr sz="1400"/>
+                      <a:endParaRPr sz="1400" dirty="0"/>
                     </a:p>
                   </a:txBody>
                   <a:tcPr marL="91450" marR="91450" marT="45725" marB="45725"/>
@@ -32018,7 +31723,13 @@
         <p:nvGraphicFramePr>
           <p:cNvPr id="181" name="Google Shape;181;p10"/>
           <p:cNvGraphicFramePr/>
-          <p:nvPr/>
+          <p:nvPr>
+            <p:extLst>
+              <p:ext uri="{D42A27DB-BD31-4B8C-83A1-F6EECF244321}">
+                <p14:modId xmlns:p14="http://schemas.microsoft.com/office/powerpoint/2010/main" val="233613116"/>
+              </p:ext>
+            </p:extLst>
+          </p:nvPr>
         </p:nvGraphicFramePr>
         <p:xfrm>
           <a:off x="495300" y="2266950"/>
@@ -32275,10 +31986,10 @@
                         <a:buNone/>
                       </a:pPr>
                       <a:r>
-                        <a:rPr lang="en-US" sz="1800"/>
-                        <a:t>1GB - 10GB, unique or shared</a:t>
+                        <a:rPr lang="en-US" sz="1800" dirty="0"/>
+                        <a:t>1GB - 20GB, unique or shared file</a:t>
                       </a:r>
-                      <a:endParaRPr/>
+                      <a:endParaRPr dirty="0"/>
                     </a:p>
                   </a:txBody>
                   <a:tcPr marL="91450" marR="91450" marT="45725" marB="45725"/>
@@ -32328,10 +32039,10 @@
                         <a:buNone/>
                       </a:pPr>
                       <a:r>
-                        <a:rPr lang="en-US" sz="1800" b="1"/>
-                        <a:t>10 GB – TBs, unique or shared</a:t>
+                        <a:rPr lang="en-US" sz="1800" b="1" dirty="0"/>
+                        <a:t>20 GB – TBs, unique or shared</a:t>
                       </a:r>
-                      <a:endParaRPr/>
+                      <a:endParaRPr dirty="0"/>
                     </a:p>
                   </a:txBody>
                   <a:tcPr marL="91450" marR="91450" marT="45725" marB="45725"/>
@@ -32351,10 +32062,10 @@
                         <a:buNone/>
                       </a:pPr>
                       <a:r>
-                        <a:rPr lang="en-US" sz="1800" b="1"/>
+                        <a:rPr lang="en-US" sz="1800" b="1" dirty="0"/>
                         <a:t>shared file system (local copy, local execute servers)</a:t>
                       </a:r>
-                      <a:endParaRPr sz="1800" b="1"/>
+                      <a:endParaRPr sz="1800" b="1" dirty="0"/>
                     </a:p>
                   </a:txBody>
                   <a:tcPr marL="91450" marR="91450" marT="45725" marB="45725"/>
